--- a/Presentation1.pptx
+++ b/Presentation1.pptx
@@ -122,6 +122,11 @@
       </a:defRPr>
     </a:lvl9pPr>
   </p:defaultTextStyle>
+  <p:extLst>
+    <p:ext uri="{EFAFB233-063F-42B5-8137-9DF3F51BA10A}">
+      <p15:sldGuideLst xmlns:p15="http://schemas.microsoft.com/office/powerpoint/2012/main"/>
+    </p:ext>
+  </p:extLst>
 </p:presentation>
 </file>
 
@@ -4488,8 +4493,8 @@
         </p:nvSpPr>
         <p:spPr>
           <a:xfrm>
-            <a:off x="1371600" y="5330223"/>
-            <a:ext cx="9448799" cy="646331"/>
+            <a:off x="1371601" y="5849034"/>
+            <a:ext cx="9448799" cy="369332"/>
           </a:xfrm>
           <a:prstGeom prst="rect">
             <a:avLst/>
@@ -4517,47 +4522,42 @@
                 </a:solidFill>
                 <a:latin typeface="Söhne"/>
               </a:rPr>
-              <a:t>Utilized authentication protocols OAuth for secure user authentication. Implemented role-based access control (RBAC) to manage user permissions and protect sensitive data.</a:t>
+              <a:t>Utilized authentication protocols OAuth for secure user authentication. </a:t>
             </a:r>
             <a:endParaRPr lang="en-US" dirty="0"/>
           </a:p>
         </p:txBody>
       </p:sp>
-      <p:sp>
-        <p:nvSpPr>
-          <p:cNvPr id="4" name="TextBox 3">
+      <p:pic>
+        <p:nvPicPr>
+          <p:cNvPr id="6" name="Picture 5" descr="A screenshot of a computer code&#10;&#10;Description automatically generated with low confidence">
             <a:extLst>
               <a:ext uri="{FF2B5EF4-FFF2-40B4-BE49-F238E27FC236}">
-                <a16:creationId xmlns:a16="http://schemas.microsoft.com/office/drawing/2014/main" id="{21732911-E3AC-8960-03A2-046EB26CD8AF}"/>
+                <a16:creationId xmlns:a16="http://schemas.microsoft.com/office/drawing/2014/main" id="{3F215EA2-9F21-56F7-3920-7E20EAF30793}"/>
               </a:ext>
             </a:extLst>
           </p:cNvPr>
-          <p:cNvSpPr txBox="1"/>
+          <p:cNvPicPr>
+            <a:picLocks noChangeAspect="1"/>
+          </p:cNvPicPr>
           <p:nvPr/>
-        </p:nvSpPr>
-        <p:spPr>
-          <a:xfrm>
-            <a:off x="2446638" y="2953265"/>
-            <a:ext cx="3002692" cy="369332"/>
+        </p:nvPicPr>
+        <p:blipFill>
+          <a:blip r:embed="rId2"/>
+          <a:stretch>
+            <a:fillRect/>
+          </a:stretch>
+        </p:blipFill>
+        <p:spPr>
+          <a:xfrm>
+            <a:off x="1371598" y="1940011"/>
+            <a:ext cx="5189838" cy="3766818"/>
           </a:xfrm>
           <a:prstGeom prst="rect">
             <a:avLst/>
           </a:prstGeom>
-          <a:noFill/>
-        </p:spPr>
-        <p:txBody>
-          <a:bodyPr wrap="square" rtlCol="0">
-            <a:spAutoFit/>
-          </a:bodyPr>
-          <a:lstStyle/>
-          <a:p>
-            <a:r>
-              <a:rPr lang="en-US" dirty="0"/>
-              <a:t>Add code screenshot</a:t>
-            </a:r>
-          </a:p>
-        </p:txBody>
-      </p:sp>
+        </p:spPr>
+      </p:pic>
     </p:spTree>
     <p:extLst>
       <p:ext uri="{BB962C8B-B14F-4D97-AF65-F5344CB8AC3E}">
@@ -6974,46 +6974,41 @@
             </a:r>
             <a:r>
               <a:rPr lang="en-US" dirty="0"/>
-              <a:t>: Integrate secure payment gateway Stripe to handle payment transactions. Utilized encryption techniques and followed best practices for handling sensitive user data.</a:t>
-            </a:r>
-          </a:p>
-        </p:txBody>
-      </p:sp>
-      <p:sp>
-        <p:nvSpPr>
-          <p:cNvPr id="4" name="TextBox 3">
+              <a:t>: Integrate secure payment gateway PayPal to handle payment transactions. Utilized encryption techniques and followed best practices for handling sensitive user data.</a:t>
+            </a:r>
+          </a:p>
+        </p:txBody>
+      </p:sp>
+      <p:pic>
+        <p:nvPicPr>
+          <p:cNvPr id="6" name="Picture 5" descr="A picture containing text, screenshot, font&#10;&#10;Description automatically generated">
             <a:extLst>
               <a:ext uri="{FF2B5EF4-FFF2-40B4-BE49-F238E27FC236}">
-                <a16:creationId xmlns:a16="http://schemas.microsoft.com/office/drawing/2014/main" id="{21732911-E3AC-8960-03A2-046EB26CD8AF}"/>
+                <a16:creationId xmlns:a16="http://schemas.microsoft.com/office/drawing/2014/main" id="{56B52DBD-C277-493E-D144-54634E1B00F9}"/>
               </a:ext>
             </a:extLst>
           </p:cNvPr>
-          <p:cNvSpPr txBox="1"/>
+          <p:cNvPicPr>
+            <a:picLocks noChangeAspect="1"/>
+          </p:cNvPicPr>
           <p:nvPr/>
-        </p:nvSpPr>
-        <p:spPr>
-          <a:xfrm>
-            <a:off x="2446638" y="2953265"/>
-            <a:ext cx="3002692" cy="369332"/>
+        </p:nvPicPr>
+        <p:blipFill>
+          <a:blip r:embed="rId2"/>
+          <a:stretch>
+            <a:fillRect/>
+          </a:stretch>
+        </p:blipFill>
+        <p:spPr>
+          <a:xfrm>
+            <a:off x="1371600" y="2359281"/>
+            <a:ext cx="9028197" cy="2514601"/>
           </a:xfrm>
           <a:prstGeom prst="rect">
             <a:avLst/>
           </a:prstGeom>
-          <a:noFill/>
-        </p:spPr>
-        <p:txBody>
-          <a:bodyPr wrap="square" rtlCol="0">
-            <a:spAutoFit/>
-          </a:bodyPr>
-          <a:lstStyle/>
-          <a:p>
-            <a:r>
-              <a:rPr lang="en-US" dirty="0"/>
-              <a:t>Add code screenshot</a:t>
-            </a:r>
-          </a:p>
-        </p:txBody>
-      </p:sp>
+        </p:spPr>
+      </p:pic>
     </p:spTree>
     <p:extLst>
       <p:ext uri="{BB962C8B-B14F-4D97-AF65-F5344CB8AC3E}">
@@ -7198,8 +7193,8 @@
         </p:nvSpPr>
         <p:spPr>
           <a:xfrm>
-            <a:off x="2446638" y="2953265"/>
-            <a:ext cx="3002692" cy="369332"/>
+            <a:off x="1804087" y="2682961"/>
+            <a:ext cx="7376984" cy="1477328"/>
           </a:xfrm>
           <a:prstGeom prst="rect">
             <a:avLst/>
@@ -7213,9 +7208,122 @@
           <a:lstStyle/>
           <a:p>
             <a:r>
-              <a:rPr lang="en-US" dirty="0"/>
-              <a:t>Add code screenshot</a:t>
-            </a:r>
+              <a:rPr lang="en-CA" dirty="0"/>
+              <a:t>let </a:t>
+            </a:r>
+            <a:r>
+              <a:rPr lang="en-CA" dirty="0" err="1"/>
+              <a:t>queryava</a:t>
+            </a:r>
+            <a:r>
+              <a:rPr lang="en-CA" dirty="0"/>
+              <a:t> = </a:t>
+            </a:r>
+            <a:r>
+              <a:rPr lang="en-CA" dirty="0" err="1"/>
+              <a:t>db.format</a:t>
+            </a:r>
+            <a:r>
+              <a:rPr lang="en-CA" dirty="0"/>
+              <a:t>(`select * from </a:t>
+            </a:r>
+            <a:r>
+              <a:rPr lang="en-CA" dirty="0" err="1"/>
+              <a:t>hotelrooms</a:t>
+            </a:r>
+            <a:r>
+              <a:rPr lang="en-CA" dirty="0"/>
+              <a:t> where </a:t>
+            </a:r>
+            <a:r>
+              <a:rPr lang="en-CA" dirty="0" err="1"/>
+              <a:t>RoomId</a:t>
+            </a:r>
+            <a:r>
+              <a:rPr lang="en-CA" dirty="0"/>
+              <a:t> not in(select </a:t>
+            </a:r>
+            <a:r>
+              <a:rPr lang="en-CA" dirty="0" err="1"/>
+              <a:t>RoomId</a:t>
+            </a:r>
+            <a:r>
+              <a:rPr lang="en-CA" dirty="0"/>
+              <a:t> from bookings where (('${chi}'&lt;</a:t>
+            </a:r>
+            <a:r>
+              <a:rPr lang="en-CA" dirty="0" err="1"/>
+              <a:t>CheckOutDate</a:t>
+            </a:r>
+            <a:r>
+              <a:rPr lang="en-CA" dirty="0"/>
+              <a:t> AND '${chi}'&gt;</a:t>
+            </a:r>
+            <a:r>
+              <a:rPr lang="en-CA" dirty="0" err="1"/>
+              <a:t>CheckInDate</a:t>
+            </a:r>
+            <a:r>
+              <a:rPr lang="en-CA" dirty="0"/>
+              <a:t>) ||('${</a:t>
+            </a:r>
+            <a:r>
+              <a:rPr lang="en-CA" dirty="0" err="1"/>
+              <a:t>cho</a:t>
+            </a:r>
+            <a:r>
+              <a:rPr lang="en-CA" dirty="0"/>
+              <a:t>}'&lt;</a:t>
+            </a:r>
+            <a:r>
+              <a:rPr lang="en-CA" dirty="0" err="1"/>
+              <a:t>CheckOutDate</a:t>
+            </a:r>
+            <a:r>
+              <a:rPr lang="en-CA" dirty="0"/>
+              <a:t> AND '${</a:t>
+            </a:r>
+            <a:r>
+              <a:rPr lang="en-CA" dirty="0" err="1"/>
+              <a:t>cho</a:t>
+            </a:r>
+            <a:r>
+              <a:rPr lang="en-CA" dirty="0"/>
+              <a:t>}'&gt;</a:t>
+            </a:r>
+            <a:r>
+              <a:rPr lang="en-CA" dirty="0" err="1"/>
+              <a:t>CheckInDate</a:t>
+            </a:r>
+            <a:r>
+              <a:rPr lang="en-CA" dirty="0"/>
+              <a:t>) || ('${chi}'&lt;</a:t>
+            </a:r>
+            <a:r>
+              <a:rPr lang="en-CA" dirty="0" err="1"/>
+              <a:t>CheckInDate</a:t>
+            </a:r>
+            <a:r>
+              <a:rPr lang="en-CA" dirty="0"/>
+              <a:t> AND '${</a:t>
+            </a:r>
+            <a:r>
+              <a:rPr lang="en-CA" dirty="0" err="1"/>
+              <a:t>cho</a:t>
+            </a:r>
+            <a:r>
+              <a:rPr lang="en-CA" dirty="0"/>
+              <a:t>}'&gt;</a:t>
+            </a:r>
+            <a:r>
+              <a:rPr lang="en-CA" dirty="0" err="1"/>
+              <a:t>CheckOutDate</a:t>
+            </a:r>
+            <a:r>
+              <a:rPr lang="en-CA" dirty="0"/>
+              <a:t>)))`);</a:t>
+            </a:r>
+            <a:endParaRPr lang="en-US" dirty="0"/>
           </a:p>
         </p:txBody>
       </p:sp>
